--- a/ppt 16-9/0755.你为何要跟住走.pptx
+++ b/ppt 16-9/0755.你为何要跟住走.pptx
@@ -5,7 +5,7 @@
     <p:sldMasterId id="2147483648" r:id="rId1"/>
   </p:sldMasterIdLst>
   <p:sldIdLst>
-    <p:sldId id="2004" r:id="rId2"/>
+    <p:sldId id="2005" r:id="rId2"/>
   </p:sldIdLst>
   <p:sldSz cx="12192000" cy="6858000"/>
   <p:notesSz cx="6858000" cy="9144000"/>
@@ -129,7 +129,7 @@
           <p:cNvPr id="2" name="标题 1">
             <a:extLst>
               <a:ext uri="{FF2B5EF4-FFF2-40B4-BE49-F238E27FC236}">
-                <a16:creationId xmlns:a16="http://schemas.microsoft.com/office/drawing/2014/main" id="{506BA3D0-1830-7928-663B-E1E5EB60DF90}"/>
+                <a16:creationId xmlns:a16="http://schemas.microsoft.com/office/drawing/2014/main" id="{FA73653B-B45C-6D3C-1BF3-E039E877095D}"/>
               </a:ext>
             </a:extLst>
           </p:cNvPr>
@@ -166,7 +166,7 @@
           <p:cNvPr id="3" name="副标题 2">
             <a:extLst>
               <a:ext uri="{FF2B5EF4-FFF2-40B4-BE49-F238E27FC236}">
-                <a16:creationId xmlns:a16="http://schemas.microsoft.com/office/drawing/2014/main" id="{9355F418-D9C6-8CC8-27FB-8000E0E2948A}"/>
+                <a16:creationId xmlns:a16="http://schemas.microsoft.com/office/drawing/2014/main" id="{C04F607E-8726-57A6-63DF-EFC05B54E212}"/>
               </a:ext>
             </a:extLst>
           </p:cNvPr>
@@ -236,7 +236,7 @@
           <p:cNvPr id="4" name="日期占位符 3">
             <a:extLst>
               <a:ext uri="{FF2B5EF4-FFF2-40B4-BE49-F238E27FC236}">
-                <a16:creationId xmlns:a16="http://schemas.microsoft.com/office/drawing/2014/main" id="{E3B33F01-7C6C-3D90-7DDF-8D5566903E08}"/>
+                <a16:creationId xmlns:a16="http://schemas.microsoft.com/office/drawing/2014/main" id="{AA7C7D9F-04F1-F1B8-27C4-D48164237D91}"/>
               </a:ext>
             </a:extLst>
           </p:cNvPr>
@@ -252,7 +252,7 @@
           <a:bodyPr/>
           <a:lstStyle/>
           <a:p>
-            <a:fld id="{E22F1542-E8DB-4843-8075-DE640BE1628F}" type="datetimeFigureOut">
+            <a:fld id="{D841A869-EA3B-470D-85FC-94D7807482A9}" type="datetimeFigureOut">
               <a:rPr lang="zh-CN" altLang="en-US" smtClean="0"/>
               <a:t>2024/3/10</a:t>
             </a:fld>
@@ -265,7 +265,7 @@
           <p:cNvPr id="5" name="页脚占位符 4">
             <a:extLst>
               <a:ext uri="{FF2B5EF4-FFF2-40B4-BE49-F238E27FC236}">
-                <a16:creationId xmlns:a16="http://schemas.microsoft.com/office/drawing/2014/main" id="{61447681-9E7A-C673-1871-E60F8F4A37DD}"/>
+                <a16:creationId xmlns:a16="http://schemas.microsoft.com/office/drawing/2014/main" id="{5C671CA1-E910-CB96-B292-DF5766CC945F}"/>
               </a:ext>
             </a:extLst>
           </p:cNvPr>
@@ -290,7 +290,7 @@
           <p:cNvPr id="6" name="灯片编号占位符 5">
             <a:extLst>
               <a:ext uri="{FF2B5EF4-FFF2-40B4-BE49-F238E27FC236}">
-                <a16:creationId xmlns:a16="http://schemas.microsoft.com/office/drawing/2014/main" id="{FCAB018C-9918-0327-35A6-BE616D2F1254}"/>
+                <a16:creationId xmlns:a16="http://schemas.microsoft.com/office/drawing/2014/main" id="{B6C82A7D-63F8-C69B-F58F-60E51B769AE1}"/>
               </a:ext>
             </a:extLst>
           </p:cNvPr>
@@ -306,7 +306,7 @@
           <a:bodyPr/>
           <a:lstStyle/>
           <a:p>
-            <a:fld id="{20A99CE2-B72F-45F7-A375-5477338D2EC0}" type="slidenum">
+            <a:fld id="{A7911C0B-80D6-4A44-814E-F2F555034508}" type="slidenum">
               <a:rPr lang="zh-CN" altLang="en-US" smtClean="0"/>
               <a:t>‹#›</a:t>
             </a:fld>
@@ -317,7 +317,7 @@
     </p:spTree>
     <p:extLst>
       <p:ext uri="{BB962C8B-B14F-4D97-AF65-F5344CB8AC3E}">
-        <p14:creationId xmlns:p14="http://schemas.microsoft.com/office/powerpoint/2010/main" val="1852152937"/>
+        <p14:creationId xmlns:p14="http://schemas.microsoft.com/office/powerpoint/2010/main" val="3114794092"/>
       </p:ext>
     </p:extLst>
   </p:cSld>
@@ -349,7 +349,7 @@
           <p:cNvPr id="2" name="标题 1">
             <a:extLst>
               <a:ext uri="{FF2B5EF4-FFF2-40B4-BE49-F238E27FC236}">
-                <a16:creationId xmlns:a16="http://schemas.microsoft.com/office/drawing/2014/main" id="{43EEF4DB-B8AD-E567-C7FF-D0E3A0F919C8}"/>
+                <a16:creationId xmlns:a16="http://schemas.microsoft.com/office/drawing/2014/main" id="{E2247CBB-6CFA-12D1-3068-583A274327EB}"/>
               </a:ext>
             </a:extLst>
           </p:cNvPr>
@@ -377,7 +377,7 @@
           <p:cNvPr id="3" name="竖排文字占位符 2">
             <a:extLst>
               <a:ext uri="{FF2B5EF4-FFF2-40B4-BE49-F238E27FC236}">
-                <a16:creationId xmlns:a16="http://schemas.microsoft.com/office/drawing/2014/main" id="{20512265-E77B-3331-9A3A-37D278249442}"/>
+                <a16:creationId xmlns:a16="http://schemas.microsoft.com/office/drawing/2014/main" id="{AF44C517-C6BD-0C02-584A-64337C86713F}"/>
               </a:ext>
             </a:extLst>
           </p:cNvPr>
@@ -434,7 +434,7 @@
           <p:cNvPr id="4" name="日期占位符 3">
             <a:extLst>
               <a:ext uri="{FF2B5EF4-FFF2-40B4-BE49-F238E27FC236}">
-                <a16:creationId xmlns:a16="http://schemas.microsoft.com/office/drawing/2014/main" id="{380B4732-155B-4543-5E5B-0646E23AFE3B}"/>
+                <a16:creationId xmlns:a16="http://schemas.microsoft.com/office/drawing/2014/main" id="{BE440517-CB06-335A-879F-52CB97C89F51}"/>
               </a:ext>
             </a:extLst>
           </p:cNvPr>
@@ -450,7 +450,7 @@
           <a:bodyPr/>
           <a:lstStyle/>
           <a:p>
-            <a:fld id="{E22F1542-E8DB-4843-8075-DE640BE1628F}" type="datetimeFigureOut">
+            <a:fld id="{D841A869-EA3B-470D-85FC-94D7807482A9}" type="datetimeFigureOut">
               <a:rPr lang="zh-CN" altLang="en-US" smtClean="0"/>
               <a:t>2024/3/10</a:t>
             </a:fld>
@@ -463,7 +463,7 @@
           <p:cNvPr id="5" name="页脚占位符 4">
             <a:extLst>
               <a:ext uri="{FF2B5EF4-FFF2-40B4-BE49-F238E27FC236}">
-                <a16:creationId xmlns:a16="http://schemas.microsoft.com/office/drawing/2014/main" id="{0F50A62E-818C-A2F5-B044-0536B041A849}"/>
+                <a16:creationId xmlns:a16="http://schemas.microsoft.com/office/drawing/2014/main" id="{79D339B3-77A4-B570-2A2B-0996C877D6FA}"/>
               </a:ext>
             </a:extLst>
           </p:cNvPr>
@@ -488,7 +488,7 @@
           <p:cNvPr id="6" name="灯片编号占位符 5">
             <a:extLst>
               <a:ext uri="{FF2B5EF4-FFF2-40B4-BE49-F238E27FC236}">
-                <a16:creationId xmlns:a16="http://schemas.microsoft.com/office/drawing/2014/main" id="{529D4032-FFE8-2C08-F46E-666413F15814}"/>
+                <a16:creationId xmlns:a16="http://schemas.microsoft.com/office/drawing/2014/main" id="{3AE68677-7E31-F563-DDCB-5FC2F0BB7643}"/>
               </a:ext>
             </a:extLst>
           </p:cNvPr>
@@ -504,7 +504,7 @@
           <a:bodyPr/>
           <a:lstStyle/>
           <a:p>
-            <a:fld id="{20A99CE2-B72F-45F7-A375-5477338D2EC0}" type="slidenum">
+            <a:fld id="{A7911C0B-80D6-4A44-814E-F2F555034508}" type="slidenum">
               <a:rPr lang="zh-CN" altLang="en-US" smtClean="0"/>
               <a:t>‹#›</a:t>
             </a:fld>
@@ -515,7 +515,7 @@
     </p:spTree>
     <p:extLst>
       <p:ext uri="{BB962C8B-B14F-4D97-AF65-F5344CB8AC3E}">
-        <p14:creationId xmlns:p14="http://schemas.microsoft.com/office/powerpoint/2010/main" val="2633104753"/>
+        <p14:creationId xmlns:p14="http://schemas.microsoft.com/office/powerpoint/2010/main" val="534650666"/>
       </p:ext>
     </p:extLst>
   </p:cSld>
@@ -547,7 +547,7 @@
           <p:cNvPr id="2" name="竖排标题 1">
             <a:extLst>
               <a:ext uri="{FF2B5EF4-FFF2-40B4-BE49-F238E27FC236}">
-                <a16:creationId xmlns:a16="http://schemas.microsoft.com/office/drawing/2014/main" id="{BF4FEF65-ECD1-C6CF-4BE3-654B293DC6A1}"/>
+                <a16:creationId xmlns:a16="http://schemas.microsoft.com/office/drawing/2014/main" id="{CA3765D1-91CA-967D-21E3-68FC59982C4A}"/>
               </a:ext>
             </a:extLst>
           </p:cNvPr>
@@ -580,7 +580,7 @@
           <p:cNvPr id="3" name="竖排文字占位符 2">
             <a:extLst>
               <a:ext uri="{FF2B5EF4-FFF2-40B4-BE49-F238E27FC236}">
-                <a16:creationId xmlns:a16="http://schemas.microsoft.com/office/drawing/2014/main" id="{48D4CF72-1808-E4D2-01CC-85646893D8F2}"/>
+                <a16:creationId xmlns:a16="http://schemas.microsoft.com/office/drawing/2014/main" id="{5ED881F0-00F2-8969-66D7-B49AC54C16CC}"/>
               </a:ext>
             </a:extLst>
           </p:cNvPr>
@@ -642,7 +642,7 @@
           <p:cNvPr id="4" name="日期占位符 3">
             <a:extLst>
               <a:ext uri="{FF2B5EF4-FFF2-40B4-BE49-F238E27FC236}">
-                <a16:creationId xmlns:a16="http://schemas.microsoft.com/office/drawing/2014/main" id="{D5855EE6-0AFF-FF53-5AAD-D4878697A88B}"/>
+                <a16:creationId xmlns:a16="http://schemas.microsoft.com/office/drawing/2014/main" id="{4D710F71-A471-3D45-5C33-59691AB424BD}"/>
               </a:ext>
             </a:extLst>
           </p:cNvPr>
@@ -658,7 +658,7 @@
           <a:bodyPr/>
           <a:lstStyle/>
           <a:p>
-            <a:fld id="{E22F1542-E8DB-4843-8075-DE640BE1628F}" type="datetimeFigureOut">
+            <a:fld id="{D841A869-EA3B-470D-85FC-94D7807482A9}" type="datetimeFigureOut">
               <a:rPr lang="zh-CN" altLang="en-US" smtClean="0"/>
               <a:t>2024/3/10</a:t>
             </a:fld>
@@ -671,7 +671,7 @@
           <p:cNvPr id="5" name="页脚占位符 4">
             <a:extLst>
               <a:ext uri="{FF2B5EF4-FFF2-40B4-BE49-F238E27FC236}">
-                <a16:creationId xmlns:a16="http://schemas.microsoft.com/office/drawing/2014/main" id="{DBC1B72A-95B4-1B30-61FC-689AB210CA52}"/>
+                <a16:creationId xmlns:a16="http://schemas.microsoft.com/office/drawing/2014/main" id="{40D4A74F-D2AE-4C1B-10D9-4C18DC579479}"/>
               </a:ext>
             </a:extLst>
           </p:cNvPr>
@@ -696,7 +696,7 @@
           <p:cNvPr id="6" name="灯片编号占位符 5">
             <a:extLst>
               <a:ext uri="{FF2B5EF4-FFF2-40B4-BE49-F238E27FC236}">
-                <a16:creationId xmlns:a16="http://schemas.microsoft.com/office/drawing/2014/main" id="{6B05165F-1779-5C9F-0528-04B9C6C04ED6}"/>
+                <a16:creationId xmlns:a16="http://schemas.microsoft.com/office/drawing/2014/main" id="{166813E3-D5A1-34F9-8F6F-348EF92797D8}"/>
               </a:ext>
             </a:extLst>
           </p:cNvPr>
@@ -712,7 +712,7 @@
           <a:bodyPr/>
           <a:lstStyle/>
           <a:p>
-            <a:fld id="{20A99CE2-B72F-45F7-A375-5477338D2EC0}" type="slidenum">
+            <a:fld id="{A7911C0B-80D6-4A44-814E-F2F555034508}" type="slidenum">
               <a:rPr lang="zh-CN" altLang="en-US" smtClean="0"/>
               <a:t>‹#›</a:t>
             </a:fld>
@@ -723,7 +723,7 @@
     </p:spTree>
     <p:extLst>
       <p:ext uri="{BB962C8B-B14F-4D97-AF65-F5344CB8AC3E}">
-        <p14:creationId xmlns:p14="http://schemas.microsoft.com/office/powerpoint/2010/main" val="1777791179"/>
+        <p14:creationId xmlns:p14="http://schemas.microsoft.com/office/powerpoint/2010/main" val="3500169136"/>
       </p:ext>
     </p:extLst>
   </p:cSld>
@@ -755,7 +755,7 @@
           <p:cNvPr id="2" name="标题 1">
             <a:extLst>
               <a:ext uri="{FF2B5EF4-FFF2-40B4-BE49-F238E27FC236}">
-                <a16:creationId xmlns:a16="http://schemas.microsoft.com/office/drawing/2014/main" id="{78991894-69A6-0133-B3F6-F04E37CAAE74}"/>
+                <a16:creationId xmlns:a16="http://schemas.microsoft.com/office/drawing/2014/main" id="{11A378B8-1771-E2B8-EA8D-2B68B45B15F6}"/>
               </a:ext>
             </a:extLst>
           </p:cNvPr>
@@ -783,7 +783,7 @@
           <p:cNvPr id="3" name="内容占位符 2">
             <a:extLst>
               <a:ext uri="{FF2B5EF4-FFF2-40B4-BE49-F238E27FC236}">
-                <a16:creationId xmlns:a16="http://schemas.microsoft.com/office/drawing/2014/main" id="{5F716952-C33D-3501-AB26-9E63E3D45C26}"/>
+                <a16:creationId xmlns:a16="http://schemas.microsoft.com/office/drawing/2014/main" id="{7391FE80-5F1B-154C-4B8D-26EED5654EE8}"/>
               </a:ext>
             </a:extLst>
           </p:cNvPr>
@@ -840,7 +840,7 @@
           <p:cNvPr id="4" name="日期占位符 3">
             <a:extLst>
               <a:ext uri="{FF2B5EF4-FFF2-40B4-BE49-F238E27FC236}">
-                <a16:creationId xmlns:a16="http://schemas.microsoft.com/office/drawing/2014/main" id="{CE128981-C2EB-8B5B-5D08-71AC34A01210}"/>
+                <a16:creationId xmlns:a16="http://schemas.microsoft.com/office/drawing/2014/main" id="{0EEDEF74-7B97-227C-E92C-25DB79059DFA}"/>
               </a:ext>
             </a:extLst>
           </p:cNvPr>
@@ -856,7 +856,7 @@
           <a:bodyPr/>
           <a:lstStyle/>
           <a:p>
-            <a:fld id="{E22F1542-E8DB-4843-8075-DE640BE1628F}" type="datetimeFigureOut">
+            <a:fld id="{D841A869-EA3B-470D-85FC-94D7807482A9}" type="datetimeFigureOut">
               <a:rPr lang="zh-CN" altLang="en-US" smtClean="0"/>
               <a:t>2024/3/10</a:t>
             </a:fld>
@@ -869,7 +869,7 @@
           <p:cNvPr id="5" name="页脚占位符 4">
             <a:extLst>
               <a:ext uri="{FF2B5EF4-FFF2-40B4-BE49-F238E27FC236}">
-                <a16:creationId xmlns:a16="http://schemas.microsoft.com/office/drawing/2014/main" id="{E97B0137-9E86-E213-7911-80222F07B2D1}"/>
+                <a16:creationId xmlns:a16="http://schemas.microsoft.com/office/drawing/2014/main" id="{9EB8C169-AE98-6A82-B2D2-3E4F96C1FEAB}"/>
               </a:ext>
             </a:extLst>
           </p:cNvPr>
@@ -894,7 +894,7 @@
           <p:cNvPr id="6" name="灯片编号占位符 5">
             <a:extLst>
               <a:ext uri="{FF2B5EF4-FFF2-40B4-BE49-F238E27FC236}">
-                <a16:creationId xmlns:a16="http://schemas.microsoft.com/office/drawing/2014/main" id="{F60C428D-707F-44CB-36AF-6105E428370C}"/>
+                <a16:creationId xmlns:a16="http://schemas.microsoft.com/office/drawing/2014/main" id="{955094B4-B1F7-8707-732B-26F058A71047}"/>
               </a:ext>
             </a:extLst>
           </p:cNvPr>
@@ -910,7 +910,7 @@
           <a:bodyPr/>
           <a:lstStyle/>
           <a:p>
-            <a:fld id="{20A99CE2-B72F-45F7-A375-5477338D2EC0}" type="slidenum">
+            <a:fld id="{A7911C0B-80D6-4A44-814E-F2F555034508}" type="slidenum">
               <a:rPr lang="zh-CN" altLang="en-US" smtClean="0"/>
               <a:t>‹#›</a:t>
             </a:fld>
@@ -921,7 +921,7 @@
     </p:spTree>
     <p:extLst>
       <p:ext uri="{BB962C8B-B14F-4D97-AF65-F5344CB8AC3E}">
-        <p14:creationId xmlns:p14="http://schemas.microsoft.com/office/powerpoint/2010/main" val="2547954839"/>
+        <p14:creationId xmlns:p14="http://schemas.microsoft.com/office/powerpoint/2010/main" val="3333963506"/>
       </p:ext>
     </p:extLst>
   </p:cSld>
@@ -953,7 +953,7 @@
           <p:cNvPr id="2" name="标题 1">
             <a:extLst>
               <a:ext uri="{FF2B5EF4-FFF2-40B4-BE49-F238E27FC236}">
-                <a16:creationId xmlns:a16="http://schemas.microsoft.com/office/drawing/2014/main" id="{747925D7-BD4C-4155-2168-1677A417777C}"/>
+                <a16:creationId xmlns:a16="http://schemas.microsoft.com/office/drawing/2014/main" id="{2E973E13-7B15-48B4-4A15-1527346E43D7}"/>
               </a:ext>
             </a:extLst>
           </p:cNvPr>
@@ -990,7 +990,7 @@
           <p:cNvPr id="3" name="文本占位符 2">
             <a:extLst>
               <a:ext uri="{FF2B5EF4-FFF2-40B4-BE49-F238E27FC236}">
-                <a16:creationId xmlns:a16="http://schemas.microsoft.com/office/drawing/2014/main" id="{D3A8AC32-32AB-56C8-DF97-072014722B8B}"/>
+                <a16:creationId xmlns:a16="http://schemas.microsoft.com/office/drawing/2014/main" id="{7EE52629-6448-F242-7C11-6B841870AC7C}"/>
               </a:ext>
             </a:extLst>
           </p:cNvPr>
@@ -1115,7 +1115,7 @@
           <p:cNvPr id="4" name="日期占位符 3">
             <a:extLst>
               <a:ext uri="{FF2B5EF4-FFF2-40B4-BE49-F238E27FC236}">
-                <a16:creationId xmlns:a16="http://schemas.microsoft.com/office/drawing/2014/main" id="{375A2C15-D0CF-CFD2-FB9E-CCC0607B68BD}"/>
+                <a16:creationId xmlns:a16="http://schemas.microsoft.com/office/drawing/2014/main" id="{DD3111A4-643F-2D7A-2ABC-2408E78DC296}"/>
               </a:ext>
             </a:extLst>
           </p:cNvPr>
@@ -1131,7 +1131,7 @@
           <a:bodyPr/>
           <a:lstStyle/>
           <a:p>
-            <a:fld id="{E22F1542-E8DB-4843-8075-DE640BE1628F}" type="datetimeFigureOut">
+            <a:fld id="{D841A869-EA3B-470D-85FC-94D7807482A9}" type="datetimeFigureOut">
               <a:rPr lang="zh-CN" altLang="en-US" smtClean="0"/>
               <a:t>2024/3/10</a:t>
             </a:fld>
@@ -1144,7 +1144,7 @@
           <p:cNvPr id="5" name="页脚占位符 4">
             <a:extLst>
               <a:ext uri="{FF2B5EF4-FFF2-40B4-BE49-F238E27FC236}">
-                <a16:creationId xmlns:a16="http://schemas.microsoft.com/office/drawing/2014/main" id="{BAB17296-A67F-632E-F944-F15F522BC8BB}"/>
+                <a16:creationId xmlns:a16="http://schemas.microsoft.com/office/drawing/2014/main" id="{D8EE5CC7-40B2-D04A-2DA1-B75F7EE7C6BD}"/>
               </a:ext>
             </a:extLst>
           </p:cNvPr>
@@ -1169,7 +1169,7 @@
           <p:cNvPr id="6" name="灯片编号占位符 5">
             <a:extLst>
               <a:ext uri="{FF2B5EF4-FFF2-40B4-BE49-F238E27FC236}">
-                <a16:creationId xmlns:a16="http://schemas.microsoft.com/office/drawing/2014/main" id="{EE5D6B5C-02D7-474F-C283-143ABEEB2A83}"/>
+                <a16:creationId xmlns:a16="http://schemas.microsoft.com/office/drawing/2014/main" id="{FB8E79FA-5A41-DA6A-4AFB-F098B4133CC0}"/>
               </a:ext>
             </a:extLst>
           </p:cNvPr>
@@ -1185,7 +1185,7 @@
           <a:bodyPr/>
           <a:lstStyle/>
           <a:p>
-            <a:fld id="{20A99CE2-B72F-45F7-A375-5477338D2EC0}" type="slidenum">
+            <a:fld id="{A7911C0B-80D6-4A44-814E-F2F555034508}" type="slidenum">
               <a:rPr lang="zh-CN" altLang="en-US" smtClean="0"/>
               <a:t>‹#›</a:t>
             </a:fld>
@@ -1196,7 +1196,7 @@
     </p:spTree>
     <p:extLst>
       <p:ext uri="{BB962C8B-B14F-4D97-AF65-F5344CB8AC3E}">
-        <p14:creationId xmlns:p14="http://schemas.microsoft.com/office/powerpoint/2010/main" val="312045202"/>
+        <p14:creationId xmlns:p14="http://schemas.microsoft.com/office/powerpoint/2010/main" val="4027277438"/>
       </p:ext>
     </p:extLst>
   </p:cSld>
@@ -1228,7 +1228,7 @@
           <p:cNvPr id="2" name="标题 1">
             <a:extLst>
               <a:ext uri="{FF2B5EF4-FFF2-40B4-BE49-F238E27FC236}">
-                <a16:creationId xmlns:a16="http://schemas.microsoft.com/office/drawing/2014/main" id="{058D40A9-41FC-844A-799D-DAA87235851A}"/>
+                <a16:creationId xmlns:a16="http://schemas.microsoft.com/office/drawing/2014/main" id="{5ADDA48A-BB25-CADC-0792-A2D63E98D61A}"/>
               </a:ext>
             </a:extLst>
           </p:cNvPr>
@@ -1256,7 +1256,7 @@
           <p:cNvPr id="3" name="内容占位符 2">
             <a:extLst>
               <a:ext uri="{FF2B5EF4-FFF2-40B4-BE49-F238E27FC236}">
-                <a16:creationId xmlns:a16="http://schemas.microsoft.com/office/drawing/2014/main" id="{EC1DD2AF-2CB1-7953-1C34-2AD9E70BE858}"/>
+                <a16:creationId xmlns:a16="http://schemas.microsoft.com/office/drawing/2014/main" id="{BA6343C8-02B8-E596-A693-72BA73640125}"/>
               </a:ext>
             </a:extLst>
           </p:cNvPr>
@@ -1318,7 +1318,7 @@
           <p:cNvPr id="4" name="内容占位符 3">
             <a:extLst>
               <a:ext uri="{FF2B5EF4-FFF2-40B4-BE49-F238E27FC236}">
-                <a16:creationId xmlns:a16="http://schemas.microsoft.com/office/drawing/2014/main" id="{793210E1-F64A-AB47-4FC7-6B99A056F58E}"/>
+                <a16:creationId xmlns:a16="http://schemas.microsoft.com/office/drawing/2014/main" id="{01C13556-CC2D-DDB4-8ACE-142A2D1C6A68}"/>
               </a:ext>
             </a:extLst>
           </p:cNvPr>
@@ -1380,7 +1380,7 @@
           <p:cNvPr id="5" name="日期占位符 4">
             <a:extLst>
               <a:ext uri="{FF2B5EF4-FFF2-40B4-BE49-F238E27FC236}">
-                <a16:creationId xmlns:a16="http://schemas.microsoft.com/office/drawing/2014/main" id="{83FC0694-B05F-F1E6-3A5E-A6896843489C}"/>
+                <a16:creationId xmlns:a16="http://schemas.microsoft.com/office/drawing/2014/main" id="{EC8AD377-DCC7-5E99-4BF0-C53061E5C52D}"/>
               </a:ext>
             </a:extLst>
           </p:cNvPr>
@@ -1396,7 +1396,7 @@
           <a:bodyPr/>
           <a:lstStyle/>
           <a:p>
-            <a:fld id="{E22F1542-E8DB-4843-8075-DE640BE1628F}" type="datetimeFigureOut">
+            <a:fld id="{D841A869-EA3B-470D-85FC-94D7807482A9}" type="datetimeFigureOut">
               <a:rPr lang="zh-CN" altLang="en-US" smtClean="0"/>
               <a:t>2024/3/10</a:t>
             </a:fld>
@@ -1409,7 +1409,7 @@
           <p:cNvPr id="6" name="页脚占位符 5">
             <a:extLst>
               <a:ext uri="{FF2B5EF4-FFF2-40B4-BE49-F238E27FC236}">
-                <a16:creationId xmlns:a16="http://schemas.microsoft.com/office/drawing/2014/main" id="{23A1D51C-21F7-63D6-4710-67749186E68D}"/>
+                <a16:creationId xmlns:a16="http://schemas.microsoft.com/office/drawing/2014/main" id="{AD64C189-FBDC-6954-A9AD-632746F83B27}"/>
               </a:ext>
             </a:extLst>
           </p:cNvPr>
@@ -1434,7 +1434,7 @@
           <p:cNvPr id="7" name="灯片编号占位符 6">
             <a:extLst>
               <a:ext uri="{FF2B5EF4-FFF2-40B4-BE49-F238E27FC236}">
-                <a16:creationId xmlns:a16="http://schemas.microsoft.com/office/drawing/2014/main" id="{062C4A6C-AA29-14EA-A535-1139C69868C3}"/>
+                <a16:creationId xmlns:a16="http://schemas.microsoft.com/office/drawing/2014/main" id="{B5AF8D2E-40C2-D576-AC23-E58A17882C5D}"/>
               </a:ext>
             </a:extLst>
           </p:cNvPr>
@@ -1450,7 +1450,7 @@
           <a:bodyPr/>
           <a:lstStyle/>
           <a:p>
-            <a:fld id="{20A99CE2-B72F-45F7-A375-5477338D2EC0}" type="slidenum">
+            <a:fld id="{A7911C0B-80D6-4A44-814E-F2F555034508}" type="slidenum">
               <a:rPr lang="zh-CN" altLang="en-US" smtClean="0"/>
               <a:t>‹#›</a:t>
             </a:fld>
@@ -1461,7 +1461,7 @@
     </p:spTree>
     <p:extLst>
       <p:ext uri="{BB962C8B-B14F-4D97-AF65-F5344CB8AC3E}">
-        <p14:creationId xmlns:p14="http://schemas.microsoft.com/office/powerpoint/2010/main" val="3099478625"/>
+        <p14:creationId xmlns:p14="http://schemas.microsoft.com/office/powerpoint/2010/main" val="3291355784"/>
       </p:ext>
     </p:extLst>
   </p:cSld>
@@ -1493,7 +1493,7 @@
           <p:cNvPr id="2" name="标题 1">
             <a:extLst>
               <a:ext uri="{FF2B5EF4-FFF2-40B4-BE49-F238E27FC236}">
-                <a16:creationId xmlns:a16="http://schemas.microsoft.com/office/drawing/2014/main" id="{338FC2C5-558A-B9D2-726E-52A99A9E2D84}"/>
+                <a16:creationId xmlns:a16="http://schemas.microsoft.com/office/drawing/2014/main" id="{CB7EA8E1-A6A3-F8A3-B045-A6F326681C95}"/>
               </a:ext>
             </a:extLst>
           </p:cNvPr>
@@ -1526,7 +1526,7 @@
           <p:cNvPr id="3" name="文本占位符 2">
             <a:extLst>
               <a:ext uri="{FF2B5EF4-FFF2-40B4-BE49-F238E27FC236}">
-                <a16:creationId xmlns:a16="http://schemas.microsoft.com/office/drawing/2014/main" id="{DAE1F138-D9E6-06EC-AE3F-43A6B58E6457}"/>
+                <a16:creationId xmlns:a16="http://schemas.microsoft.com/office/drawing/2014/main" id="{B8C4F26D-80E8-86F9-A577-A1A9186104D4}"/>
               </a:ext>
             </a:extLst>
           </p:cNvPr>
@@ -1597,7 +1597,7 @@
           <p:cNvPr id="4" name="内容占位符 3">
             <a:extLst>
               <a:ext uri="{FF2B5EF4-FFF2-40B4-BE49-F238E27FC236}">
-                <a16:creationId xmlns:a16="http://schemas.microsoft.com/office/drawing/2014/main" id="{FE98B7BF-AD22-8B8D-6136-3DD50CC516D2}"/>
+                <a16:creationId xmlns:a16="http://schemas.microsoft.com/office/drawing/2014/main" id="{D9A83D1E-0007-2189-A107-423BC5A8C291}"/>
               </a:ext>
             </a:extLst>
           </p:cNvPr>
@@ -1659,7 +1659,7 @@
           <p:cNvPr id="5" name="文本占位符 4">
             <a:extLst>
               <a:ext uri="{FF2B5EF4-FFF2-40B4-BE49-F238E27FC236}">
-                <a16:creationId xmlns:a16="http://schemas.microsoft.com/office/drawing/2014/main" id="{FCFF2E08-754F-5407-2980-389C2A12B177}"/>
+                <a16:creationId xmlns:a16="http://schemas.microsoft.com/office/drawing/2014/main" id="{E2B4E6AA-447F-D426-CF33-CCC44D48EF82}"/>
               </a:ext>
             </a:extLst>
           </p:cNvPr>
@@ -1730,7 +1730,7 @@
           <p:cNvPr id="6" name="内容占位符 5">
             <a:extLst>
               <a:ext uri="{FF2B5EF4-FFF2-40B4-BE49-F238E27FC236}">
-                <a16:creationId xmlns:a16="http://schemas.microsoft.com/office/drawing/2014/main" id="{5ECF452E-59E1-AC3A-A6AF-D76A5035F252}"/>
+                <a16:creationId xmlns:a16="http://schemas.microsoft.com/office/drawing/2014/main" id="{91AD4088-9E5C-16DE-9B60-B9E3B77F8197}"/>
               </a:ext>
             </a:extLst>
           </p:cNvPr>
@@ -1792,7 +1792,7 @@
           <p:cNvPr id="7" name="日期占位符 6">
             <a:extLst>
               <a:ext uri="{FF2B5EF4-FFF2-40B4-BE49-F238E27FC236}">
-                <a16:creationId xmlns:a16="http://schemas.microsoft.com/office/drawing/2014/main" id="{757027F5-1C3D-96CD-6894-00D08ACC389A}"/>
+                <a16:creationId xmlns:a16="http://schemas.microsoft.com/office/drawing/2014/main" id="{D0C2A9DC-1A52-36ED-FB0C-3922CDCF39FF}"/>
               </a:ext>
             </a:extLst>
           </p:cNvPr>
@@ -1808,7 +1808,7 @@
           <a:bodyPr/>
           <a:lstStyle/>
           <a:p>
-            <a:fld id="{E22F1542-E8DB-4843-8075-DE640BE1628F}" type="datetimeFigureOut">
+            <a:fld id="{D841A869-EA3B-470D-85FC-94D7807482A9}" type="datetimeFigureOut">
               <a:rPr lang="zh-CN" altLang="en-US" smtClean="0"/>
               <a:t>2024/3/10</a:t>
             </a:fld>
@@ -1821,7 +1821,7 @@
           <p:cNvPr id="8" name="页脚占位符 7">
             <a:extLst>
               <a:ext uri="{FF2B5EF4-FFF2-40B4-BE49-F238E27FC236}">
-                <a16:creationId xmlns:a16="http://schemas.microsoft.com/office/drawing/2014/main" id="{CAF42C40-7AB8-59A5-B5D7-5DA50AE6D88B}"/>
+                <a16:creationId xmlns:a16="http://schemas.microsoft.com/office/drawing/2014/main" id="{DFD08AE1-0DBD-B304-B766-56F341EEFE78}"/>
               </a:ext>
             </a:extLst>
           </p:cNvPr>
@@ -1846,7 +1846,7 @@
           <p:cNvPr id="9" name="灯片编号占位符 8">
             <a:extLst>
               <a:ext uri="{FF2B5EF4-FFF2-40B4-BE49-F238E27FC236}">
-                <a16:creationId xmlns:a16="http://schemas.microsoft.com/office/drawing/2014/main" id="{0F6BACB1-5A2E-E054-61AC-570854133816}"/>
+                <a16:creationId xmlns:a16="http://schemas.microsoft.com/office/drawing/2014/main" id="{BF96EB8D-77D3-B1BC-E9A7-88C1B7FA3ECD}"/>
               </a:ext>
             </a:extLst>
           </p:cNvPr>
@@ -1862,7 +1862,7 @@
           <a:bodyPr/>
           <a:lstStyle/>
           <a:p>
-            <a:fld id="{20A99CE2-B72F-45F7-A375-5477338D2EC0}" type="slidenum">
+            <a:fld id="{A7911C0B-80D6-4A44-814E-F2F555034508}" type="slidenum">
               <a:rPr lang="zh-CN" altLang="en-US" smtClean="0"/>
               <a:t>‹#›</a:t>
             </a:fld>
@@ -1873,7 +1873,7 @@
     </p:spTree>
     <p:extLst>
       <p:ext uri="{BB962C8B-B14F-4D97-AF65-F5344CB8AC3E}">
-        <p14:creationId xmlns:p14="http://schemas.microsoft.com/office/powerpoint/2010/main" val="1694122801"/>
+        <p14:creationId xmlns:p14="http://schemas.microsoft.com/office/powerpoint/2010/main" val="618019014"/>
       </p:ext>
     </p:extLst>
   </p:cSld>
@@ -1905,7 +1905,7 @@
           <p:cNvPr id="2" name="标题 1">
             <a:extLst>
               <a:ext uri="{FF2B5EF4-FFF2-40B4-BE49-F238E27FC236}">
-                <a16:creationId xmlns:a16="http://schemas.microsoft.com/office/drawing/2014/main" id="{5C6071D7-C4AB-3F97-E201-D5FB0246147D}"/>
+                <a16:creationId xmlns:a16="http://schemas.microsoft.com/office/drawing/2014/main" id="{4D019B60-34D6-49A5-968C-FC8333F97F1D}"/>
               </a:ext>
             </a:extLst>
           </p:cNvPr>
@@ -1933,7 +1933,7 @@
           <p:cNvPr id="3" name="日期占位符 2">
             <a:extLst>
               <a:ext uri="{FF2B5EF4-FFF2-40B4-BE49-F238E27FC236}">
-                <a16:creationId xmlns:a16="http://schemas.microsoft.com/office/drawing/2014/main" id="{CBA678C1-5E5E-B91E-7E6B-6F9782AEC4A2}"/>
+                <a16:creationId xmlns:a16="http://schemas.microsoft.com/office/drawing/2014/main" id="{D177FE4F-81DF-6C31-0558-44EB8784C90E}"/>
               </a:ext>
             </a:extLst>
           </p:cNvPr>
@@ -1949,7 +1949,7 @@
           <a:bodyPr/>
           <a:lstStyle/>
           <a:p>
-            <a:fld id="{E22F1542-E8DB-4843-8075-DE640BE1628F}" type="datetimeFigureOut">
+            <a:fld id="{D841A869-EA3B-470D-85FC-94D7807482A9}" type="datetimeFigureOut">
               <a:rPr lang="zh-CN" altLang="en-US" smtClean="0"/>
               <a:t>2024/3/10</a:t>
             </a:fld>
@@ -1962,7 +1962,7 @@
           <p:cNvPr id="4" name="页脚占位符 3">
             <a:extLst>
               <a:ext uri="{FF2B5EF4-FFF2-40B4-BE49-F238E27FC236}">
-                <a16:creationId xmlns:a16="http://schemas.microsoft.com/office/drawing/2014/main" id="{F45265ED-F662-4454-AD91-FA43B6809BD6}"/>
+                <a16:creationId xmlns:a16="http://schemas.microsoft.com/office/drawing/2014/main" id="{E34C35F2-E84D-EC91-4989-09B1EBC72043}"/>
               </a:ext>
             </a:extLst>
           </p:cNvPr>
@@ -1987,7 +1987,7 @@
           <p:cNvPr id="5" name="灯片编号占位符 4">
             <a:extLst>
               <a:ext uri="{FF2B5EF4-FFF2-40B4-BE49-F238E27FC236}">
-                <a16:creationId xmlns:a16="http://schemas.microsoft.com/office/drawing/2014/main" id="{2C055C76-FBF7-6141-1F87-4F13BBF531EC}"/>
+                <a16:creationId xmlns:a16="http://schemas.microsoft.com/office/drawing/2014/main" id="{6124DCE4-4289-9503-C17F-E4BFDD7C4B39}"/>
               </a:ext>
             </a:extLst>
           </p:cNvPr>
@@ -2003,7 +2003,7 @@
           <a:bodyPr/>
           <a:lstStyle/>
           <a:p>
-            <a:fld id="{20A99CE2-B72F-45F7-A375-5477338D2EC0}" type="slidenum">
+            <a:fld id="{A7911C0B-80D6-4A44-814E-F2F555034508}" type="slidenum">
               <a:rPr lang="zh-CN" altLang="en-US" smtClean="0"/>
               <a:t>‹#›</a:t>
             </a:fld>
@@ -2014,7 +2014,7 @@
     </p:spTree>
     <p:extLst>
       <p:ext uri="{BB962C8B-B14F-4D97-AF65-F5344CB8AC3E}">
-        <p14:creationId xmlns:p14="http://schemas.microsoft.com/office/powerpoint/2010/main" val="1168640090"/>
+        <p14:creationId xmlns:p14="http://schemas.microsoft.com/office/powerpoint/2010/main" val="3797626642"/>
       </p:ext>
     </p:extLst>
   </p:cSld>
@@ -2046,7 +2046,7 @@
           <p:cNvPr id="2" name="日期占位符 1">
             <a:extLst>
               <a:ext uri="{FF2B5EF4-FFF2-40B4-BE49-F238E27FC236}">
-                <a16:creationId xmlns:a16="http://schemas.microsoft.com/office/drawing/2014/main" id="{9849F69F-B28E-DD48-57EF-53A239265A2B}"/>
+                <a16:creationId xmlns:a16="http://schemas.microsoft.com/office/drawing/2014/main" id="{5BAD9FEA-7478-EE8C-CDA5-CC1FAC4218C3}"/>
               </a:ext>
             </a:extLst>
           </p:cNvPr>
@@ -2062,7 +2062,7 @@
           <a:bodyPr/>
           <a:lstStyle/>
           <a:p>
-            <a:fld id="{E22F1542-E8DB-4843-8075-DE640BE1628F}" type="datetimeFigureOut">
+            <a:fld id="{D841A869-EA3B-470D-85FC-94D7807482A9}" type="datetimeFigureOut">
               <a:rPr lang="zh-CN" altLang="en-US" smtClean="0"/>
               <a:t>2024/3/10</a:t>
             </a:fld>
@@ -2075,7 +2075,7 @@
           <p:cNvPr id="3" name="页脚占位符 2">
             <a:extLst>
               <a:ext uri="{FF2B5EF4-FFF2-40B4-BE49-F238E27FC236}">
-                <a16:creationId xmlns:a16="http://schemas.microsoft.com/office/drawing/2014/main" id="{44225A36-72EF-FF1C-22FD-0088D1F16800}"/>
+                <a16:creationId xmlns:a16="http://schemas.microsoft.com/office/drawing/2014/main" id="{1AF6F3D3-7567-83E5-375E-BC7152F5CC89}"/>
               </a:ext>
             </a:extLst>
           </p:cNvPr>
@@ -2100,7 +2100,7 @@
           <p:cNvPr id="4" name="灯片编号占位符 3">
             <a:extLst>
               <a:ext uri="{FF2B5EF4-FFF2-40B4-BE49-F238E27FC236}">
-                <a16:creationId xmlns:a16="http://schemas.microsoft.com/office/drawing/2014/main" id="{F90A5551-6F22-95D8-B89D-C0CB4166EF0F}"/>
+                <a16:creationId xmlns:a16="http://schemas.microsoft.com/office/drawing/2014/main" id="{DA88599C-7388-669D-76AC-E11B47F9A0ED}"/>
               </a:ext>
             </a:extLst>
           </p:cNvPr>
@@ -2116,7 +2116,7 @@
           <a:bodyPr/>
           <a:lstStyle/>
           <a:p>
-            <a:fld id="{20A99CE2-B72F-45F7-A375-5477338D2EC0}" type="slidenum">
+            <a:fld id="{A7911C0B-80D6-4A44-814E-F2F555034508}" type="slidenum">
               <a:rPr lang="zh-CN" altLang="en-US" smtClean="0"/>
               <a:t>‹#›</a:t>
             </a:fld>
@@ -2127,7 +2127,7 @@
     </p:spTree>
     <p:extLst>
       <p:ext uri="{BB962C8B-B14F-4D97-AF65-F5344CB8AC3E}">
-        <p14:creationId xmlns:p14="http://schemas.microsoft.com/office/powerpoint/2010/main" val="368140377"/>
+        <p14:creationId xmlns:p14="http://schemas.microsoft.com/office/powerpoint/2010/main" val="2366313263"/>
       </p:ext>
     </p:extLst>
   </p:cSld>
@@ -2159,7 +2159,7 @@
           <p:cNvPr id="2" name="标题 1">
             <a:extLst>
               <a:ext uri="{FF2B5EF4-FFF2-40B4-BE49-F238E27FC236}">
-                <a16:creationId xmlns:a16="http://schemas.microsoft.com/office/drawing/2014/main" id="{C96E80C3-6789-FE8C-0141-A283290A696D}"/>
+                <a16:creationId xmlns:a16="http://schemas.microsoft.com/office/drawing/2014/main" id="{AE060045-387D-059A-58EA-DF5AA040607B}"/>
               </a:ext>
             </a:extLst>
           </p:cNvPr>
@@ -2196,7 +2196,7 @@
           <p:cNvPr id="3" name="内容占位符 2">
             <a:extLst>
               <a:ext uri="{FF2B5EF4-FFF2-40B4-BE49-F238E27FC236}">
-                <a16:creationId xmlns:a16="http://schemas.microsoft.com/office/drawing/2014/main" id="{396634A1-A43A-DA50-DE97-A3D581883A0D}"/>
+                <a16:creationId xmlns:a16="http://schemas.microsoft.com/office/drawing/2014/main" id="{EFCC153F-A7DE-8E5F-7947-38C08DBD72FC}"/>
               </a:ext>
             </a:extLst>
           </p:cNvPr>
@@ -2286,7 +2286,7 @@
           <p:cNvPr id="4" name="文本占位符 3">
             <a:extLst>
               <a:ext uri="{FF2B5EF4-FFF2-40B4-BE49-F238E27FC236}">
-                <a16:creationId xmlns:a16="http://schemas.microsoft.com/office/drawing/2014/main" id="{0013C47E-9B78-ED1A-5E68-333594219014}"/>
+                <a16:creationId xmlns:a16="http://schemas.microsoft.com/office/drawing/2014/main" id="{E7A5A734-0E56-398E-058D-AF57DEAA7707}"/>
               </a:ext>
             </a:extLst>
           </p:cNvPr>
@@ -2357,7 +2357,7 @@
           <p:cNvPr id="5" name="日期占位符 4">
             <a:extLst>
               <a:ext uri="{FF2B5EF4-FFF2-40B4-BE49-F238E27FC236}">
-                <a16:creationId xmlns:a16="http://schemas.microsoft.com/office/drawing/2014/main" id="{8960FB25-3220-A5FB-DBBA-B97FC3385E8A}"/>
+                <a16:creationId xmlns:a16="http://schemas.microsoft.com/office/drawing/2014/main" id="{E9B04ABB-EAB6-8F61-0B65-52D2184B7931}"/>
               </a:ext>
             </a:extLst>
           </p:cNvPr>
@@ -2373,7 +2373,7 @@
           <a:bodyPr/>
           <a:lstStyle/>
           <a:p>
-            <a:fld id="{E22F1542-E8DB-4843-8075-DE640BE1628F}" type="datetimeFigureOut">
+            <a:fld id="{D841A869-EA3B-470D-85FC-94D7807482A9}" type="datetimeFigureOut">
               <a:rPr lang="zh-CN" altLang="en-US" smtClean="0"/>
               <a:t>2024/3/10</a:t>
             </a:fld>
@@ -2386,7 +2386,7 @@
           <p:cNvPr id="6" name="页脚占位符 5">
             <a:extLst>
               <a:ext uri="{FF2B5EF4-FFF2-40B4-BE49-F238E27FC236}">
-                <a16:creationId xmlns:a16="http://schemas.microsoft.com/office/drawing/2014/main" id="{9C876697-78DD-CB3E-4908-9A457B895032}"/>
+                <a16:creationId xmlns:a16="http://schemas.microsoft.com/office/drawing/2014/main" id="{4A26AE17-1A4E-D340-7427-4AD62F5DF8F3}"/>
               </a:ext>
             </a:extLst>
           </p:cNvPr>
@@ -2411,7 +2411,7 @@
           <p:cNvPr id="7" name="灯片编号占位符 6">
             <a:extLst>
               <a:ext uri="{FF2B5EF4-FFF2-40B4-BE49-F238E27FC236}">
-                <a16:creationId xmlns:a16="http://schemas.microsoft.com/office/drawing/2014/main" id="{0FACD106-4ECF-37E2-207C-2BD563081D13}"/>
+                <a16:creationId xmlns:a16="http://schemas.microsoft.com/office/drawing/2014/main" id="{1774DCFB-EA77-ED36-A5F2-9A2D6ED765BA}"/>
               </a:ext>
             </a:extLst>
           </p:cNvPr>
@@ -2427,7 +2427,7 @@
           <a:bodyPr/>
           <a:lstStyle/>
           <a:p>
-            <a:fld id="{20A99CE2-B72F-45F7-A375-5477338D2EC0}" type="slidenum">
+            <a:fld id="{A7911C0B-80D6-4A44-814E-F2F555034508}" type="slidenum">
               <a:rPr lang="zh-CN" altLang="en-US" smtClean="0"/>
               <a:t>‹#›</a:t>
             </a:fld>
@@ -2438,7 +2438,7 @@
     </p:spTree>
     <p:extLst>
       <p:ext uri="{BB962C8B-B14F-4D97-AF65-F5344CB8AC3E}">
-        <p14:creationId xmlns:p14="http://schemas.microsoft.com/office/powerpoint/2010/main" val="386156389"/>
+        <p14:creationId xmlns:p14="http://schemas.microsoft.com/office/powerpoint/2010/main" val="2847273918"/>
       </p:ext>
     </p:extLst>
   </p:cSld>
@@ -2470,7 +2470,7 @@
           <p:cNvPr id="2" name="标题 1">
             <a:extLst>
               <a:ext uri="{FF2B5EF4-FFF2-40B4-BE49-F238E27FC236}">
-                <a16:creationId xmlns:a16="http://schemas.microsoft.com/office/drawing/2014/main" id="{FC6D210E-2ECB-AB02-3753-EC96DEDBBEB9}"/>
+                <a16:creationId xmlns:a16="http://schemas.microsoft.com/office/drawing/2014/main" id="{CF28BE62-89E7-3155-8C3C-EA1859051A54}"/>
               </a:ext>
             </a:extLst>
           </p:cNvPr>
@@ -2507,7 +2507,7 @@
           <p:cNvPr id="3" name="图片占位符 2">
             <a:extLst>
               <a:ext uri="{FF2B5EF4-FFF2-40B4-BE49-F238E27FC236}">
-                <a16:creationId xmlns:a16="http://schemas.microsoft.com/office/drawing/2014/main" id="{EB1A15DD-DDED-9BCF-4CEE-E6198B4A405E}"/>
+                <a16:creationId xmlns:a16="http://schemas.microsoft.com/office/drawing/2014/main" id="{C526B25B-1503-6A5C-9FA1-4A948D4BC618}"/>
               </a:ext>
             </a:extLst>
           </p:cNvPr>
@@ -2574,7 +2574,7 @@
           <p:cNvPr id="4" name="文本占位符 3">
             <a:extLst>
               <a:ext uri="{FF2B5EF4-FFF2-40B4-BE49-F238E27FC236}">
-                <a16:creationId xmlns:a16="http://schemas.microsoft.com/office/drawing/2014/main" id="{B1CDE7CA-C45C-D9A4-7E81-4AD67FCEAB4C}"/>
+                <a16:creationId xmlns:a16="http://schemas.microsoft.com/office/drawing/2014/main" id="{6A574313-0836-4424-470F-62085DB0F96B}"/>
               </a:ext>
             </a:extLst>
           </p:cNvPr>
@@ -2645,7 +2645,7 @@
           <p:cNvPr id="5" name="日期占位符 4">
             <a:extLst>
               <a:ext uri="{FF2B5EF4-FFF2-40B4-BE49-F238E27FC236}">
-                <a16:creationId xmlns:a16="http://schemas.microsoft.com/office/drawing/2014/main" id="{37EEEA52-2CEB-BA74-9915-B14822AD6A6F}"/>
+                <a16:creationId xmlns:a16="http://schemas.microsoft.com/office/drawing/2014/main" id="{FB38CC28-004D-F34C-EA59-6DB68540EEB1}"/>
               </a:ext>
             </a:extLst>
           </p:cNvPr>
@@ -2661,7 +2661,7 @@
           <a:bodyPr/>
           <a:lstStyle/>
           <a:p>
-            <a:fld id="{E22F1542-E8DB-4843-8075-DE640BE1628F}" type="datetimeFigureOut">
+            <a:fld id="{D841A869-EA3B-470D-85FC-94D7807482A9}" type="datetimeFigureOut">
               <a:rPr lang="zh-CN" altLang="en-US" smtClean="0"/>
               <a:t>2024/3/10</a:t>
             </a:fld>
@@ -2674,7 +2674,7 @@
           <p:cNvPr id="6" name="页脚占位符 5">
             <a:extLst>
               <a:ext uri="{FF2B5EF4-FFF2-40B4-BE49-F238E27FC236}">
-                <a16:creationId xmlns:a16="http://schemas.microsoft.com/office/drawing/2014/main" id="{6524891B-F83C-F166-DDF5-AA735881DBE7}"/>
+                <a16:creationId xmlns:a16="http://schemas.microsoft.com/office/drawing/2014/main" id="{4A9C1A3C-A634-9729-C8A2-ACB47572CE4B}"/>
               </a:ext>
             </a:extLst>
           </p:cNvPr>
@@ -2699,7 +2699,7 @@
           <p:cNvPr id="7" name="灯片编号占位符 6">
             <a:extLst>
               <a:ext uri="{FF2B5EF4-FFF2-40B4-BE49-F238E27FC236}">
-                <a16:creationId xmlns:a16="http://schemas.microsoft.com/office/drawing/2014/main" id="{93EB0586-67DC-969F-8277-E06E322ABB7C}"/>
+                <a16:creationId xmlns:a16="http://schemas.microsoft.com/office/drawing/2014/main" id="{A67EBB5F-7943-6122-AFE9-631A06249FE6}"/>
               </a:ext>
             </a:extLst>
           </p:cNvPr>
@@ -2715,7 +2715,7 @@
           <a:bodyPr/>
           <a:lstStyle/>
           <a:p>
-            <a:fld id="{20A99CE2-B72F-45F7-A375-5477338D2EC0}" type="slidenum">
+            <a:fld id="{A7911C0B-80D6-4A44-814E-F2F555034508}" type="slidenum">
               <a:rPr lang="zh-CN" altLang="en-US" smtClean="0"/>
               <a:t>‹#›</a:t>
             </a:fld>
@@ -2726,7 +2726,7 @@
     </p:spTree>
     <p:extLst>
       <p:ext uri="{BB962C8B-B14F-4D97-AF65-F5344CB8AC3E}">
-        <p14:creationId xmlns:p14="http://schemas.microsoft.com/office/powerpoint/2010/main" val="1226331728"/>
+        <p14:creationId xmlns:p14="http://schemas.microsoft.com/office/powerpoint/2010/main" val="1864790214"/>
       </p:ext>
     </p:extLst>
   </p:cSld>
@@ -2763,7 +2763,7 @@
           <p:cNvPr id="2" name="标题占位符 1">
             <a:extLst>
               <a:ext uri="{FF2B5EF4-FFF2-40B4-BE49-F238E27FC236}">
-                <a16:creationId xmlns:a16="http://schemas.microsoft.com/office/drawing/2014/main" id="{AC7E5E3B-5B26-F79A-1ADD-8F729DC863EC}"/>
+                <a16:creationId xmlns:a16="http://schemas.microsoft.com/office/drawing/2014/main" id="{65494EA2-A385-65C5-5C50-C755F60079F3}"/>
               </a:ext>
             </a:extLst>
           </p:cNvPr>
@@ -2801,7 +2801,7 @@
           <p:cNvPr id="3" name="文本占位符 2">
             <a:extLst>
               <a:ext uri="{FF2B5EF4-FFF2-40B4-BE49-F238E27FC236}">
-                <a16:creationId xmlns:a16="http://schemas.microsoft.com/office/drawing/2014/main" id="{35C53255-A0CA-33E1-E123-BAE94D067BAC}"/>
+                <a16:creationId xmlns:a16="http://schemas.microsoft.com/office/drawing/2014/main" id="{2FAD6267-1242-2372-F56C-FB868B2C7987}"/>
               </a:ext>
             </a:extLst>
           </p:cNvPr>
@@ -2868,7 +2868,7 @@
           <p:cNvPr id="4" name="日期占位符 3">
             <a:extLst>
               <a:ext uri="{FF2B5EF4-FFF2-40B4-BE49-F238E27FC236}">
-                <a16:creationId xmlns:a16="http://schemas.microsoft.com/office/drawing/2014/main" id="{00F3285C-FB60-264C-C807-8E2D21E48155}"/>
+                <a16:creationId xmlns:a16="http://schemas.microsoft.com/office/drawing/2014/main" id="{98F1FC7F-6248-DD1F-F648-D4E6137DD176}"/>
               </a:ext>
             </a:extLst>
           </p:cNvPr>
@@ -2902,7 +2902,7 @@
             </a:lvl1pPr>
           </a:lstStyle>
           <a:p>
-            <a:fld id="{E22F1542-E8DB-4843-8075-DE640BE1628F}" type="datetimeFigureOut">
+            <a:fld id="{D841A869-EA3B-470D-85FC-94D7807482A9}" type="datetimeFigureOut">
               <a:rPr lang="zh-CN" altLang="en-US" smtClean="0"/>
               <a:t>2024/3/10</a:t>
             </a:fld>
@@ -2915,7 +2915,7 @@
           <p:cNvPr id="5" name="页脚占位符 4">
             <a:extLst>
               <a:ext uri="{FF2B5EF4-FFF2-40B4-BE49-F238E27FC236}">
-                <a16:creationId xmlns:a16="http://schemas.microsoft.com/office/drawing/2014/main" id="{52691FD8-9D24-962A-EBF2-AF2DFE83310C}"/>
+                <a16:creationId xmlns:a16="http://schemas.microsoft.com/office/drawing/2014/main" id="{99FCCC9C-AA5C-6170-30E1-F6A8066A7A15}"/>
               </a:ext>
             </a:extLst>
           </p:cNvPr>
@@ -2958,7 +2958,7 @@
           <p:cNvPr id="6" name="灯片编号占位符 5">
             <a:extLst>
               <a:ext uri="{FF2B5EF4-FFF2-40B4-BE49-F238E27FC236}">
-                <a16:creationId xmlns:a16="http://schemas.microsoft.com/office/drawing/2014/main" id="{2CCAFB7F-C8EA-E6DD-2276-EE508607E451}"/>
+                <a16:creationId xmlns:a16="http://schemas.microsoft.com/office/drawing/2014/main" id="{709E10EF-661C-6391-A2AA-146F63B20E29}"/>
               </a:ext>
             </a:extLst>
           </p:cNvPr>
@@ -2992,7 +2992,7 @@
             </a:lvl1pPr>
           </a:lstStyle>
           <a:p>
-            <a:fld id="{20A99CE2-B72F-45F7-A375-5477338D2EC0}" type="slidenum">
+            <a:fld id="{A7911C0B-80D6-4A44-814E-F2F555034508}" type="slidenum">
               <a:rPr lang="zh-CN" altLang="en-US" smtClean="0"/>
               <a:t>‹#›</a:t>
             </a:fld>
@@ -3003,7 +3003,7 @@
     </p:spTree>
     <p:extLst>
       <p:ext uri="{BB962C8B-B14F-4D97-AF65-F5344CB8AC3E}">
-        <p14:creationId xmlns:p14="http://schemas.microsoft.com/office/powerpoint/2010/main" val="3073822587"/>
+        <p14:creationId xmlns:p14="http://schemas.microsoft.com/office/powerpoint/2010/main" val="3757918201"/>
       </p:ext>
     </p:extLst>
   </p:cSld>
@@ -3323,7 +3323,7 @@
       </p:grpSpPr>
       <p:pic>
         <p:nvPicPr>
-          <p:cNvPr id="773122" name="Picture 2" descr="754"/>
+          <p:cNvPr id="774146" name="Picture 2" descr="755"/>
           <p:cNvPicPr>
             <a:picLocks noChangeAspect="1" noChangeArrowheads="1"/>
           </p:cNvPicPr>
